--- a/di-v1.pptx
+++ b/di-v1.pptx
@@ -6,7 +6,7 @@
     <p:sldMasterId id="2147483679" r:id="rId2"/>
   </p:sldMasterIdLst>
   <p:notesMasterIdLst>
-    <p:notesMasterId r:id="rId20"/>
+    <p:notesMasterId r:id="rId21"/>
   </p:notesMasterIdLst>
   <p:sldIdLst>
     <p:sldId id="300" r:id="rId3"/>
@@ -26,6 +26,7 @@
     <p:sldId id="294" r:id="rId17"/>
     <p:sldId id="301" r:id="rId18"/>
     <p:sldId id="302" r:id="rId19"/>
+    <p:sldId id="327" r:id="rId20"/>
   </p:sldIdLst>
   <p:sldSz cx="12192000" cy="6858000"/>
   <p:notesSz cx="6858000" cy="9144000"/>
@@ -150,6 +151,7 @@
             <p14:sldId id="294"/>
             <p14:sldId id="301"/>
             <p14:sldId id="302"/>
+            <p14:sldId id="327"/>
           </p14:sldIdLst>
         </p14:section>
       </p14:sectionLst>
@@ -2459,13 +2461,6 @@
         </dgm:presLayoutVars>
       </dgm:prSet>
       <dgm:spPr/>
-      <dgm:t>
-        <a:bodyPr/>
-        <a:lstStyle/>
-        <a:p>
-          <a:endParaRPr lang="ru-RU"/>
-        </a:p>
-      </dgm:t>
     </dgm:pt>
     <dgm:pt modelId="{CF6D50B3-578A-4EA0-A5A0-492FA729F6ED}" type="pres">
       <dgm:prSet presAssocID="{B75F6A3A-9A51-4DF3-8A57-9AEB0739425C}" presName="composite" presStyleCnt="0"/>
@@ -2478,13 +2473,6 @@
         </dgm:presLayoutVars>
       </dgm:prSet>
       <dgm:spPr/>
-      <dgm:t>
-        <a:bodyPr/>
-        <a:lstStyle/>
-        <a:p>
-          <a:endParaRPr lang="ru-RU"/>
-        </a:p>
-      </dgm:t>
     </dgm:pt>
     <dgm:pt modelId="{61EB78D8-69FF-471D-8FEB-71388C442F55}" type="pres">
       <dgm:prSet presAssocID="{B75F6A3A-9A51-4DF3-8A57-9AEB0739425C}" presName="rect1" presStyleLbl="alignImgPlace1" presStyleIdx="0" presStyleCnt="1" custScaleX="596594" custScaleY="114980" custLinFactX="-64576" custLinFactNeighborX="-100000" custLinFactNeighborY="-13065"/>
@@ -2506,9 +2494,9 @@
     </dgm:pt>
   </dgm:ptLst>
   <dgm:cxnLst>
-    <dgm:cxn modelId="{017518C9-1619-4B19-AA03-86BA999BA287}" srcId="{EAB81984-5B84-4970-8447-2B456B8C58DF}" destId="{B75F6A3A-9A51-4DF3-8A57-9AEB0739425C}" srcOrd="0" destOrd="0" parTransId="{203596AF-4F49-40BA-B1E1-11BDD34B512E}" sibTransId="{A056157B-3867-49A4-9195-F3A4F3FBBA8E}"/>
     <dgm:cxn modelId="{1CEAA455-5BF4-4666-95B8-390900AB8124}" type="presOf" srcId="{EAB81984-5B84-4970-8447-2B456B8C58DF}" destId="{3A252E36-3D7E-49E5-B812-EE4CACF0D5CF}" srcOrd="0" destOrd="0" presId="urn:microsoft.com/office/officeart/2008/layout/PictureGrid"/>
     <dgm:cxn modelId="{147A14B3-96E8-4139-969B-9DB1BCB4D95E}" type="presOf" srcId="{B75F6A3A-9A51-4DF3-8A57-9AEB0739425C}" destId="{B29ABF60-EC0F-45AD-A90E-9C76D15C2F14}" srcOrd="0" destOrd="0" presId="urn:microsoft.com/office/officeart/2008/layout/PictureGrid"/>
+    <dgm:cxn modelId="{017518C9-1619-4B19-AA03-86BA999BA287}" srcId="{EAB81984-5B84-4970-8447-2B456B8C58DF}" destId="{B75F6A3A-9A51-4DF3-8A57-9AEB0739425C}" srcOrd="0" destOrd="0" parTransId="{203596AF-4F49-40BA-B1E1-11BDD34B512E}" sibTransId="{A056157B-3867-49A4-9195-F3A4F3FBBA8E}"/>
     <dgm:cxn modelId="{D3458AFA-605E-43EE-8C8A-0E0C1E3CD931}" type="presParOf" srcId="{3A252E36-3D7E-49E5-B812-EE4CACF0D5CF}" destId="{CF6D50B3-578A-4EA0-A5A0-492FA729F6ED}" srcOrd="0" destOrd="0" presId="urn:microsoft.com/office/officeart/2008/layout/PictureGrid"/>
     <dgm:cxn modelId="{9835F3F3-3E30-4AC4-AD89-BC095FA9A878}" type="presParOf" srcId="{CF6D50B3-578A-4EA0-A5A0-492FA729F6ED}" destId="{B29ABF60-EC0F-45AD-A90E-9C76D15C2F14}" srcOrd="0" destOrd="0" presId="urn:microsoft.com/office/officeart/2008/layout/PictureGrid"/>
     <dgm:cxn modelId="{70FA379F-7827-49B9-806E-1FD72CAE8F89}" type="presParOf" srcId="{CF6D50B3-578A-4EA0-A5A0-492FA729F6ED}" destId="{61EB78D8-69FF-471D-8FEB-71388C442F55}" srcOrd="1" destOrd="0" presId="urn:microsoft.com/office/officeart/2008/layout/PictureGrid"/>
@@ -2580,13 +2568,6 @@
         </dgm:presLayoutVars>
       </dgm:prSet>
       <dgm:spPr/>
-      <dgm:t>
-        <a:bodyPr/>
-        <a:lstStyle/>
-        <a:p>
-          <a:endParaRPr lang="ru-RU"/>
-        </a:p>
-      </dgm:t>
     </dgm:pt>
     <dgm:pt modelId="{CF6D50B3-578A-4EA0-A5A0-492FA729F6ED}" type="pres">
       <dgm:prSet presAssocID="{B75F6A3A-9A51-4DF3-8A57-9AEB0739425C}" presName="composite" presStyleCnt="0"/>
@@ -2599,13 +2580,6 @@
         </dgm:presLayoutVars>
       </dgm:prSet>
       <dgm:spPr/>
-      <dgm:t>
-        <a:bodyPr/>
-        <a:lstStyle/>
-        <a:p>
-          <a:endParaRPr lang="ru-RU"/>
-        </a:p>
-      </dgm:t>
     </dgm:pt>
     <dgm:pt modelId="{61EB78D8-69FF-471D-8FEB-71388C442F55}" type="pres">
       <dgm:prSet presAssocID="{B75F6A3A-9A51-4DF3-8A57-9AEB0739425C}" presName="rect1" presStyleLbl="alignImgPlace1" presStyleIdx="0" presStyleCnt="1" custScaleX="596594" custScaleY="114980" custLinFactX="-64576" custLinFactNeighborX="-100000" custLinFactNeighborY="-13065"/>
@@ -2627,9 +2601,9 @@
     </dgm:pt>
   </dgm:ptLst>
   <dgm:cxnLst>
-    <dgm:cxn modelId="{017518C9-1619-4B19-AA03-86BA999BA287}" srcId="{EAB81984-5B84-4970-8447-2B456B8C58DF}" destId="{B75F6A3A-9A51-4DF3-8A57-9AEB0739425C}" srcOrd="0" destOrd="0" parTransId="{203596AF-4F49-40BA-B1E1-11BDD34B512E}" sibTransId="{A056157B-3867-49A4-9195-F3A4F3FBBA8E}"/>
     <dgm:cxn modelId="{1CEAA455-5BF4-4666-95B8-390900AB8124}" type="presOf" srcId="{EAB81984-5B84-4970-8447-2B456B8C58DF}" destId="{3A252E36-3D7E-49E5-B812-EE4CACF0D5CF}" srcOrd="0" destOrd="0" presId="urn:microsoft.com/office/officeart/2008/layout/PictureGrid"/>
     <dgm:cxn modelId="{147A14B3-96E8-4139-969B-9DB1BCB4D95E}" type="presOf" srcId="{B75F6A3A-9A51-4DF3-8A57-9AEB0739425C}" destId="{B29ABF60-EC0F-45AD-A90E-9C76D15C2F14}" srcOrd="0" destOrd="0" presId="urn:microsoft.com/office/officeart/2008/layout/PictureGrid"/>
+    <dgm:cxn modelId="{017518C9-1619-4B19-AA03-86BA999BA287}" srcId="{EAB81984-5B84-4970-8447-2B456B8C58DF}" destId="{B75F6A3A-9A51-4DF3-8A57-9AEB0739425C}" srcOrd="0" destOrd="0" parTransId="{203596AF-4F49-40BA-B1E1-11BDD34B512E}" sibTransId="{A056157B-3867-49A4-9195-F3A4F3FBBA8E}"/>
     <dgm:cxn modelId="{D3458AFA-605E-43EE-8C8A-0E0C1E3CD931}" type="presParOf" srcId="{3A252E36-3D7E-49E5-B812-EE4CACF0D5CF}" destId="{CF6D50B3-578A-4EA0-A5A0-492FA729F6ED}" srcOrd="0" destOrd="0" presId="urn:microsoft.com/office/officeart/2008/layout/PictureGrid"/>
     <dgm:cxn modelId="{9835F3F3-3E30-4AC4-AD89-BC095FA9A878}" type="presParOf" srcId="{CF6D50B3-578A-4EA0-A5A0-492FA729F6ED}" destId="{B29ABF60-EC0F-45AD-A90E-9C76D15C2F14}" srcOrd="0" destOrd="0" presId="urn:microsoft.com/office/officeart/2008/layout/PictureGrid"/>
     <dgm:cxn modelId="{70FA379F-7827-49B9-806E-1FD72CAE8F89}" type="presParOf" srcId="{CF6D50B3-578A-4EA0-A5A0-492FA729F6ED}" destId="{61EB78D8-69FF-471D-8FEB-71388C442F55}" srcOrd="1" destOrd="0" presId="urn:microsoft.com/office/officeart/2008/layout/PictureGrid"/>
@@ -2719,13 +2693,6 @@
         </dgm:presLayoutVars>
       </dgm:prSet>
       <dgm:spPr/>
-      <dgm:t>
-        <a:bodyPr/>
-        <a:lstStyle/>
-        <a:p>
-          <a:endParaRPr lang="ru-RU"/>
-        </a:p>
-      </dgm:t>
     </dgm:pt>
     <dgm:pt modelId="{65D73C51-61AB-436D-8191-975603FC9C68}" type="pres">
       <dgm:prSet presAssocID="{9C9C0585-42CE-4F34-A2BB-F1377DA03788}" presName="composite" presStyleCnt="0"/>
@@ -2738,13 +2705,6 @@
         </dgm:presLayoutVars>
       </dgm:prSet>
       <dgm:spPr/>
-      <dgm:t>
-        <a:bodyPr/>
-        <a:lstStyle/>
-        <a:p>
-          <a:endParaRPr lang="ru-RU"/>
-        </a:p>
-      </dgm:t>
     </dgm:pt>
     <dgm:pt modelId="{DFDA3CA3-5C68-4A2F-A4A8-285063A35D87}" type="pres">
       <dgm:prSet presAssocID="{9C9C0585-42CE-4F34-A2BB-F1377DA03788}" presName="rect1" presStyleLbl="alignImgPlace1" presStyleIdx="0" presStyleCnt="1" custScaleX="62421" custScaleY="62421" custLinFactNeighborX="1076" custLinFactNeighborY="-52209"/>
@@ -2769,8 +2729,8 @@
     </dgm:pt>
   </dgm:ptLst>
   <dgm:cxnLst>
+    <dgm:cxn modelId="{A9E27516-E8E4-42A7-A155-024D48E79559}" type="presOf" srcId="{8F66C165-B39F-46D3-B19F-623799541DD3}" destId="{B6F028CB-F170-4FEF-BC3A-25F0E90D434A}" srcOrd="0" destOrd="0" presId="urn:microsoft.com/office/officeart/2008/layout/PictureGrid"/>
     <dgm:cxn modelId="{A177C822-7566-4410-A889-706A6CE15148}" srcId="{8F66C165-B39F-46D3-B19F-623799541DD3}" destId="{9C9C0585-42CE-4F34-A2BB-F1377DA03788}" srcOrd="0" destOrd="0" parTransId="{4E5DCF2B-AAE7-41E2-837F-518128C03597}" sibTransId="{56F70C7F-1925-4DBA-9BD6-AF5E91799A59}"/>
-    <dgm:cxn modelId="{A9E27516-E8E4-42A7-A155-024D48E79559}" type="presOf" srcId="{8F66C165-B39F-46D3-B19F-623799541DD3}" destId="{B6F028CB-F170-4FEF-BC3A-25F0E90D434A}" srcOrd="0" destOrd="0" presId="urn:microsoft.com/office/officeart/2008/layout/PictureGrid"/>
     <dgm:cxn modelId="{ACD53F50-5BA1-48C9-B5DF-09BF6DA4DE65}" type="presOf" srcId="{9C9C0585-42CE-4F34-A2BB-F1377DA03788}" destId="{A30F2283-C0A4-4A69-BCBE-833D967155A2}" srcOrd="0" destOrd="0" presId="urn:microsoft.com/office/officeart/2008/layout/PictureGrid"/>
     <dgm:cxn modelId="{CC189C1C-06A1-4F03-B886-67BF46A53703}" type="presParOf" srcId="{B6F028CB-F170-4FEF-BC3A-25F0E90D434A}" destId="{65D73C51-61AB-436D-8191-975603FC9C68}" srcOrd="0" destOrd="0" presId="urn:microsoft.com/office/officeart/2008/layout/PictureGrid"/>
     <dgm:cxn modelId="{CD7DB92E-B84F-43A0-AC2D-FBBFB40722EE}" type="presParOf" srcId="{65D73C51-61AB-436D-8191-975603FC9C68}" destId="{A30F2283-C0A4-4A69-BCBE-833D967155A2}" srcOrd="0" destOrd="0" presId="urn:microsoft.com/office/officeart/2008/layout/PictureGrid"/>
@@ -2831,7 +2791,7 @@
         </a:bodyPr>
         <a:lstStyle/>
         <a:p>
-          <a:pPr lvl="0" algn="l" defTabSz="222250">
+          <a:pPr marL="0" lvl="0" indent="0" algn="l" defTabSz="222250">
             <a:lnSpc>
               <a:spcPct val="90000"/>
             </a:lnSpc>
@@ -2841,6 +2801,7 @@
             <a:spcAft>
               <a:spcPct val="35000"/>
             </a:spcAft>
+            <a:buNone/>
           </a:pPr>
           <a:r>
             <a:rPr lang="ru-RU" sz="500" kern="1200" dirty="0"/>
@@ -2917,6 +2878,118 @@
       <dsp:cNvGrpSpPr/>
     </dsp:nvGrpSpPr>
     <dsp:grpSpPr/>
+    <dsp:sp modelId="{B29ABF60-EC0F-45AD-A90E-9C76D15C2F14}">
+      <dsp:nvSpPr>
+        <dsp:cNvPr id="0" name=""/>
+        <dsp:cNvSpPr/>
+      </dsp:nvSpPr>
+      <dsp:spPr>
+        <a:xfrm>
+          <a:off x="1748174" y="210303"/>
+          <a:ext cx="175586" cy="38914"/>
+        </a:xfrm>
+        <a:prstGeom prst="rect">
+          <a:avLst/>
+        </a:prstGeom>
+        <a:noFill/>
+        <a:ln>
+          <a:noFill/>
+        </a:ln>
+        <a:effectLst/>
+      </dsp:spPr>
+      <dsp:style>
+        <a:lnRef idx="0">
+          <a:scrgbClr r="0" g="0" b="0"/>
+        </a:lnRef>
+        <a:fillRef idx="0">
+          <a:scrgbClr r="0" g="0" b="0"/>
+        </a:fillRef>
+        <a:effectRef idx="0">
+          <a:scrgbClr r="0" g="0" b="0"/>
+        </a:effectRef>
+        <a:fontRef idx="minor"/>
+      </dsp:style>
+      <dsp:txBody>
+        <a:bodyPr spcFirstLastPara="0" vert="horz" wrap="square" lIns="0" tIns="19050" rIns="19050" bIns="0" numCol="1" spcCol="1270" anchor="t" anchorCtr="0">
+          <a:noAutofit/>
+        </a:bodyPr>
+        <a:lstStyle/>
+        <a:p>
+          <a:pPr marL="0" lvl="0" indent="0" algn="l" defTabSz="222250">
+            <a:lnSpc>
+              <a:spcPct val="90000"/>
+            </a:lnSpc>
+            <a:spcBef>
+              <a:spcPct val="0"/>
+            </a:spcBef>
+            <a:spcAft>
+              <a:spcPct val="35000"/>
+            </a:spcAft>
+            <a:buNone/>
+          </a:pPr>
+          <a:r>
+            <a:rPr lang="ru-RU" sz="500" kern="1200" dirty="0"/>
+            <a:t> </a:t>
+          </a:r>
+        </a:p>
+      </dsp:txBody>
+      <dsp:txXfrm>
+        <a:off x="1748174" y="210303"/>
+        <a:ext cx="175586" cy="38914"/>
+      </dsp:txXfrm>
+    </dsp:sp>
+    <dsp:sp modelId="{61EB78D8-69FF-471D-8FEB-71388C442F55}">
+      <dsp:nvSpPr>
+        <dsp:cNvPr id="0" name=""/>
+        <dsp:cNvSpPr/>
+      </dsp:nvSpPr>
+      <dsp:spPr>
+        <a:xfrm>
+          <a:off x="0" y="0"/>
+          <a:ext cx="1980001" cy="381600"/>
+        </a:xfrm>
+        <a:prstGeom prst="rect">
+          <a:avLst/>
+        </a:prstGeom>
+        <a:blipFill>
+          <a:blip xmlns:r="http://schemas.openxmlformats.org/officeDocument/2006/relationships" r:embed="rId1">
+            <a:extLst>
+              <a:ext uri="{28A0092B-C50C-407E-A947-70E740481C1C}">
+                <a14:useLocalDpi xmlns:a14="http://schemas.microsoft.com/office/drawing/2010/main" val="0"/>
+              </a:ext>
+            </a:extLst>
+          </a:blip>
+          <a:srcRect/>
+          <a:stretch>
+            <a:fillRect l="-1000" r="-1000"/>
+          </a:stretch>
+        </a:blipFill>
+        <a:ln w="25400" cap="flat" cmpd="sng" algn="ctr">
+          <a:solidFill>
+            <a:schemeClr val="lt1">
+              <a:hueOff val="0"/>
+              <a:satOff val="0"/>
+              <a:lumOff val="0"/>
+              <a:alphaOff val="0"/>
+            </a:schemeClr>
+          </a:solidFill>
+          <a:prstDash val="solid"/>
+        </a:ln>
+        <a:effectLst/>
+      </dsp:spPr>
+      <dsp:style>
+        <a:lnRef idx="2">
+          <a:scrgbClr r="0" g="0" b="0"/>
+        </a:lnRef>
+        <a:fillRef idx="1">
+          <a:scrgbClr r="0" g="0" b="0"/>
+        </a:fillRef>
+        <a:effectRef idx="0">
+          <a:scrgbClr r="0" g="0" b="0"/>
+        </a:effectRef>
+        <a:fontRef idx="minor"/>
+      </dsp:style>
+    </dsp:sp>
   </dsp:spTree>
 </dsp:drawing>
 </file>
@@ -2929,6 +3002,128 @@
       <dsp:cNvGrpSpPr/>
     </dsp:nvGrpSpPr>
     <dsp:grpSpPr/>
+    <dsp:sp modelId="{A30F2283-C0A4-4A69-BCBE-833D967155A2}">
+      <dsp:nvSpPr>
+        <dsp:cNvPr id="0" name=""/>
+        <dsp:cNvSpPr/>
+      </dsp:nvSpPr>
+      <dsp:spPr>
+        <a:xfrm>
+          <a:off x="469735" y="1146225"/>
+          <a:ext cx="2927097" cy="509149"/>
+        </a:xfrm>
+        <a:prstGeom prst="rect">
+          <a:avLst/>
+        </a:prstGeom>
+        <a:noFill/>
+        <a:ln>
+          <a:noFill/>
+        </a:ln>
+        <a:effectLst/>
+      </dsp:spPr>
+      <dsp:style>
+        <a:lnRef idx="0">
+          <a:scrgbClr r="0" g="0" b="0"/>
+        </a:lnRef>
+        <a:fillRef idx="0">
+          <a:scrgbClr r="0" g="0" b="0"/>
+        </a:fillRef>
+        <a:effectRef idx="0">
+          <a:scrgbClr r="0" g="0" b="0"/>
+        </a:effectRef>
+        <a:fontRef idx="minor"/>
+      </dsp:style>
+      <dsp:txBody>
+        <a:bodyPr spcFirstLastPara="0" vert="horz" wrap="square" lIns="0" tIns="152400" rIns="152400" bIns="0" numCol="1" spcCol="1270" anchor="b" anchorCtr="0">
+          <a:noAutofit/>
+        </a:bodyPr>
+        <a:lstStyle/>
+        <a:p>
+          <a:pPr marL="0" lvl="0" indent="0" algn="ctr" defTabSz="1778000">
+            <a:lnSpc>
+              <a:spcPct val="90000"/>
+            </a:lnSpc>
+            <a:spcBef>
+              <a:spcPct val="0"/>
+            </a:spcBef>
+            <a:spcAft>
+              <a:spcPct val="35000"/>
+            </a:spcAft>
+            <a:buNone/>
+          </a:pPr>
+          <a:r>
+            <a:rPr lang="ru-RU" sz="4000" kern="1200" dirty="0">
+              <a:solidFill>
+                <a:schemeClr val="accent1"/>
+              </a:solidFill>
+            </a:rPr>
+            <a:t>ВОПРОСЫ</a:t>
+          </a:r>
+          <a:r>
+            <a:rPr lang="en-US" sz="4000" kern="1200" dirty="0">
+              <a:solidFill>
+                <a:schemeClr val="accent1"/>
+              </a:solidFill>
+            </a:rPr>
+            <a:t>?</a:t>
+          </a:r>
+          <a:endParaRPr lang="ru-RU" sz="4000" kern="1200" dirty="0">
+            <a:solidFill>
+              <a:schemeClr val="accent1"/>
+            </a:solidFill>
+          </a:endParaRPr>
+        </a:p>
+      </dsp:txBody>
+      <dsp:txXfrm>
+        <a:off x="469735" y="1146225"/>
+        <a:ext cx="2927097" cy="509149"/>
+      </dsp:txXfrm>
+    </dsp:sp>
+    <dsp:sp modelId="{DFDA3CA3-5C68-4A2F-A4A8-285063A35D87}">
+      <dsp:nvSpPr>
+        <dsp:cNvPr id="0" name=""/>
+        <dsp:cNvSpPr/>
+      </dsp:nvSpPr>
+      <dsp:spPr>
+        <a:xfrm>
+          <a:off x="1521700" y="91137"/>
+          <a:ext cx="849599" cy="849599"/>
+        </a:xfrm>
+        <a:prstGeom prst="rect">
+          <a:avLst/>
+        </a:prstGeom>
+        <a:blipFill>
+          <a:blip xmlns:r="http://schemas.openxmlformats.org/officeDocument/2006/relationships" r:embed="rId1">
+            <a:extLst>
+              <a:ext uri="{28A0092B-C50C-407E-A947-70E740481C1C}">
+                <a14:useLocalDpi xmlns:a14="http://schemas.microsoft.com/office/drawing/2010/main" val="0"/>
+              </a:ext>
+            </a:extLst>
+          </a:blip>
+          <a:srcRect/>
+          <a:stretch>
+            <a:fillRect/>
+          </a:stretch>
+        </a:blipFill>
+        <a:ln w="0" cap="flat" cmpd="sng" algn="ctr">
+          <a:noFill/>
+          <a:prstDash val="solid"/>
+        </a:ln>
+        <a:effectLst/>
+      </dsp:spPr>
+      <dsp:style>
+        <a:lnRef idx="2">
+          <a:scrgbClr r="0" g="0" b="0"/>
+        </a:lnRef>
+        <a:fillRef idx="1">
+          <a:scrgbClr r="0" g="0" b="0"/>
+        </a:fillRef>
+        <a:effectRef idx="0">
+          <a:scrgbClr r="0" g="0" b="0"/>
+        </a:effectRef>
+        <a:fontRef idx="minor"/>
+      </dsp:style>
+    </dsp:sp>
   </dsp:spTree>
 </dsp:drawing>
 </file>
@@ -6915,7 +7110,7 @@
           <a:p>
             <a:fld id="{98715375-4139-4C08-98FD-C8890076A179}" type="datetimeFigureOut">
               <a:rPr lang="ru-RU" smtClean="0"/>
-              <a:t>05.11.2016</a:t>
+              <a:t>16.04.2018</a:t>
             </a:fld>
             <a:endParaRPr lang="ru-RU"/>
           </a:p>
@@ -11646,7 +11841,25 @@
               <a:rPr lang="en-US" dirty="0">
                 <a:hlinkClick r:id="rId2"/>
               </a:rPr>
-              <a:t>https://github.com/kontur-csharper/</a:t>
+              <a:t>https://github.</a:t>
+            </a:r>
+            <a:r>
+              <a:rPr lang="en-US">
+                <a:hlinkClick r:id="rId2"/>
+              </a:rPr>
+              <a:t>com/</a:t>
+            </a:r>
+            <a:r>
+              <a:rPr lang="en-US">
+                <a:hlinkClick r:id="rId3"/>
+              </a:rPr>
+              <a:t>kontur-courses</a:t>
+            </a:r>
+            <a:r>
+              <a:rPr lang="en-US" dirty="0">
+                <a:hlinkClick r:id="rId2"/>
+              </a:rPr>
+              <a:t>/</a:t>
             </a:r>
             <a:r>
               <a:rPr lang="en-US" b="1" dirty="0">
@@ -11670,7 +11883,7 @@
           <p:nvPr/>
         </p:nvPicPr>
         <p:blipFill>
-          <a:blip r:embed="rId3" cstate="print">
+          <a:blip r:embed="rId4" cstate="print">
             <a:extLst>
               <a:ext uri="{28A0092B-C50C-407E-A947-70E740481C1C}">
                 <a14:useLocalDpi xmlns:a14="http://schemas.microsoft.com/office/drawing/2010/main" val="0"/>
@@ -11704,13 +11917,6 @@
   <p:clrMapOvr>
     <a:masterClrMapping/>
   </p:clrMapOvr>
-  <p:timing>
-    <p:tnLst>
-      <p:par>
-        <p:cTn id="1" dur="indefinite" restart="never" nodeType="tmRoot"/>
-      </p:par>
-    </p:tnLst>
-  </p:timing>
 </p:sld>
 </file>
 
@@ -12296,13 +12502,6 @@
               </a:spcAft>
               <a:buNone/>
             </a:pPr>
-            <a:r>
-              <a:rPr lang="ru-RU" altLang="ru-RU" sz="2000" dirty="0">
-                <a:latin typeface="Consolas" panose="020B0609020204030204" pitchFamily="49" charset="0"/>
-                <a:cs typeface="Consolas" panose="020B0609020204030204" pitchFamily="49" charset="0"/>
-              </a:rPr>
-              <a:t/>
-            </a:r>
             <a:br>
               <a:rPr lang="ru-RU" altLang="ru-RU" sz="2000" dirty="0">
                 <a:latin typeface="Consolas" panose="020B0609020204030204" pitchFamily="49" charset="0"/>
@@ -12430,13 +12629,6 @@
   <p:clrMapOvr>
     <a:masterClrMapping/>
   </p:clrMapOvr>
-  <p:timing>
-    <p:tnLst>
-      <p:par>
-        <p:cTn id="1" dur="indefinite" restart="never" nodeType="tmRoot"/>
-      </p:par>
-    </p:tnLst>
-  </p:timing>
 </p:sld>
 </file>
 
@@ -12723,13 +12915,6 @@
   <p:clrMapOvr>
     <a:masterClrMapping/>
   </p:clrMapOvr>
-  <p:timing>
-    <p:tnLst>
-      <p:par>
-        <p:cTn id="1" dur="indefinite" restart="never" nodeType="tmRoot"/>
-      </p:par>
-    </p:tnLst>
-  </p:timing>
 </p:sld>
 </file>
 
@@ -13956,13 +14141,6 @@
   <p:clrMapOvr>
     <a:masterClrMapping/>
   </p:clrMapOvr>
-  <p:timing>
-    <p:tnLst>
-      <p:par>
-        <p:cTn id="1" dur="indefinite" restart="never" nodeType="tmRoot"/>
-      </p:par>
-    </p:tnLst>
-  </p:timing>
 </p:sld>
 </file>
 
@@ -14219,13 +14397,6 @@
   <p:clrMapOvr>
     <a:masterClrMapping/>
   </p:clrMapOvr>
-  <p:timing>
-    <p:tnLst>
-      <p:par>
-        <p:cTn id="1" dur="indefinite" restart="never" nodeType="tmRoot"/>
-      </p:par>
-    </p:tnLst>
-  </p:timing>
 </p:sld>
 </file>
 
@@ -14422,13 +14593,6 @@
   <p:clrMapOvr>
     <a:masterClrMapping/>
   </p:clrMapOvr>
-  <p:timing>
-    <p:tnLst>
-      <p:par>
-        <p:cTn id="1" dur="indefinite" restart="never" nodeType="tmRoot"/>
-      </p:par>
-    </p:tnLst>
-  </p:timing>
 </p:sld>
 </file>
 
@@ -14504,18 +14668,14 @@
             </a:r>
             <a:r>
               <a:rPr lang="ru-RU" sz="3600" dirty="0"/>
-              <a:t> по </a:t>
-            </a:r>
-            <a:r>
-              <a:rPr lang="ru-RU" sz="3600" dirty="0" smtClean="0"/>
-              <a:t>списку</a:t>
-            </a:r>
-            <a:r>
-              <a:rPr lang="en-US" sz="3600" dirty="0" smtClean="0"/>
+              <a:t> по списку</a:t>
+            </a:r>
+            <a:r>
+              <a:rPr lang="en-US" sz="3600" dirty="0"/>
               <a:t> </a:t>
             </a:r>
             <a:r>
-              <a:rPr lang="ru-RU" sz="3600" dirty="0" smtClean="0"/>
+              <a:rPr lang="ru-RU" sz="3600" dirty="0"/>
               <a:t>в </a:t>
             </a:r>
             <a:r>
@@ -14581,13 +14741,6 @@
   <p:clrMapOvr>
     <a:masterClrMapping/>
   </p:clrMapOvr>
-  <p:timing>
-    <p:tnLst>
-      <p:par>
-        <p:cTn id="1" dur="indefinite" restart="never" nodeType="tmRoot"/>
-      </p:par>
-    </p:tnLst>
-  </p:timing>
 </p:sld>
 </file>
 
@@ -15047,6 +15200,201 @@
 </p:sld>
 </file>
 
+<file path=ppt/slides/slide18.xml><?xml version="1.0" encoding="utf-8"?>
+<p:sld xmlns:a="http://schemas.openxmlformats.org/drawingml/2006/main" xmlns:r="http://schemas.openxmlformats.org/officeDocument/2006/relationships" xmlns:p="http://schemas.openxmlformats.org/presentationml/2006/main">
+  <p:cSld>
+    <p:spTree>
+      <p:nvGrpSpPr>
+        <p:cNvPr id="1" name=""/>
+        <p:cNvGrpSpPr/>
+        <p:nvPr/>
+      </p:nvGrpSpPr>
+      <p:grpSpPr>
+        <a:xfrm>
+          <a:off x="0" y="0"/>
+          <a:ext cx="0" cy="0"/>
+          <a:chOff x="0" y="0"/>
+          <a:chExt cx="0" cy="0"/>
+        </a:xfrm>
+      </p:grpSpPr>
+      <p:sp>
+        <p:nvSpPr>
+          <p:cNvPr id="2" name="Объект 1">
+            <a:extLst>
+              <a:ext uri="{FF2B5EF4-FFF2-40B4-BE49-F238E27FC236}">
+                <a16:creationId xmlns:a16="http://schemas.microsoft.com/office/drawing/2014/main" id="{4E05C4A9-0667-45B8-AC59-85FD9C81BD21}"/>
+              </a:ext>
+            </a:extLst>
+          </p:cNvPr>
+          <p:cNvSpPr>
+            <a:spLocks noGrp="1"/>
+          </p:cNvSpPr>
+          <p:nvPr>
+            <p:ph sz="quarter" idx="13"/>
+          </p:nvPr>
+        </p:nvSpPr>
+        <p:spPr/>
+        <p:txBody>
+          <a:bodyPr anchor="t">
+            <a:normAutofit/>
+          </a:bodyPr>
+          <a:lstStyle/>
+          <a:p>
+            <a:pPr marL="0" indent="0">
+              <a:buNone/>
+            </a:pPr>
+            <a:endParaRPr lang="en-US" dirty="0"/>
+          </a:p>
+          <a:p>
+            <a:pPr marL="0" indent="0">
+              <a:buNone/>
+            </a:pPr>
+            <a:endParaRPr lang="en-US" dirty="0"/>
+          </a:p>
+          <a:p>
+            <a:pPr marL="0" indent="0">
+              <a:buNone/>
+            </a:pPr>
+            <a:endParaRPr lang="en-US" dirty="0"/>
+          </a:p>
+          <a:p>
+            <a:pPr marL="0" indent="0" algn="ctr">
+              <a:buNone/>
+            </a:pPr>
+            <a:r>
+              <a:rPr lang="ru-RU" sz="2800" dirty="0"/>
+              <a:t>Заполни форму обратной связи по ссылке</a:t>
+            </a:r>
+          </a:p>
+          <a:p>
+            <a:pPr marL="0" indent="0" algn="ctr">
+              <a:buNone/>
+            </a:pPr>
+            <a:r>
+              <a:rPr lang="en-US" sz="2800" dirty="0">
+                <a:hlinkClick r:id="rId2"/>
+              </a:rPr>
+              <a:t>http://bit.ly/kontur-courses-feedback</a:t>
+            </a:r>
+            <a:endParaRPr lang="ru-RU" sz="2800" dirty="0"/>
+          </a:p>
+          <a:p>
+            <a:pPr marL="0" indent="0" algn="ctr">
+              <a:buNone/>
+            </a:pPr>
+            <a:r>
+              <a:rPr lang="ru-RU" sz="2800" dirty="0"/>
+              <a:t>или</a:t>
+            </a:r>
+            <a:endParaRPr lang="en-US" sz="2800" dirty="0"/>
+          </a:p>
+          <a:p>
+            <a:pPr marL="0" indent="0" algn="ctr">
+              <a:buNone/>
+            </a:pPr>
+            <a:r>
+              <a:rPr lang="ru-RU" sz="2800" dirty="0"/>
+              <a:t>по ярлыку </a:t>
+            </a:r>
+            <a:r>
+              <a:rPr lang="en-US" sz="2800" i="1" dirty="0">
+                <a:solidFill>
+                  <a:schemeClr val="accent1"/>
+                </a:solidFill>
+              </a:rPr>
+              <a:t>feedback</a:t>
+            </a:r>
+            <a:r>
+              <a:rPr lang="en-US" sz="2800" dirty="0"/>
+              <a:t> </a:t>
+            </a:r>
+            <a:r>
+              <a:rPr lang="ru-RU" sz="2800" dirty="0"/>
+              <a:t>в корне репозитория</a:t>
+            </a:r>
+          </a:p>
+        </p:txBody>
+      </p:sp>
+      <p:sp>
+        <p:nvSpPr>
+          <p:cNvPr id="3" name="Заголовок 2">
+            <a:extLst>
+              <a:ext uri="{FF2B5EF4-FFF2-40B4-BE49-F238E27FC236}">
+                <a16:creationId xmlns:a16="http://schemas.microsoft.com/office/drawing/2014/main" id="{1B72F5E6-5086-4A59-ADDF-28C342BF771A}"/>
+              </a:ext>
+            </a:extLst>
+          </p:cNvPr>
+          <p:cNvSpPr>
+            <a:spLocks noGrp="1"/>
+          </p:cNvSpPr>
+          <p:nvPr>
+            <p:ph type="title"/>
+          </p:nvPr>
+        </p:nvSpPr>
+        <p:spPr/>
+        <p:txBody>
+          <a:bodyPr/>
+          <a:lstStyle/>
+          <a:p>
+            <a:r>
+              <a:rPr lang="ru-RU" dirty="0"/>
+              <a:t>Обратная связь</a:t>
+            </a:r>
+          </a:p>
+        </p:txBody>
+      </p:sp>
+      <p:pic>
+        <p:nvPicPr>
+          <p:cNvPr id="5" name="Рисунок 4" descr="Речь">
+            <a:extLst>
+              <a:ext uri="{FF2B5EF4-FFF2-40B4-BE49-F238E27FC236}">
+                <a16:creationId xmlns:a16="http://schemas.microsoft.com/office/drawing/2014/main" id="{4CD964C9-55F6-450A-94E0-4A3D7D08BCAA}"/>
+              </a:ext>
+            </a:extLst>
+          </p:cNvPr>
+          <p:cNvPicPr>
+            <a:picLocks noChangeAspect="1"/>
+          </p:cNvPicPr>
+          <p:nvPr/>
+        </p:nvPicPr>
+        <p:blipFill>
+          <a:blip r:embed="rId3">
+            <a:extLst>
+              <a:ext uri="{28A0092B-C50C-407E-A947-70E740481C1C}">
+                <a14:useLocalDpi xmlns:a14="http://schemas.microsoft.com/office/drawing/2010/main" val="0"/>
+              </a:ext>
+              <a:ext uri="{96DAC541-7B7A-43D3-8B79-37D633B846F1}">
+                <asvg:svgBlip xmlns:asvg="http://schemas.microsoft.com/office/drawing/2016/SVG/main" r:embed="rId4"/>
+              </a:ext>
+            </a:extLst>
+          </a:blip>
+          <a:stretch>
+            <a:fillRect/>
+          </a:stretch>
+        </p:blipFill>
+        <p:spPr>
+          <a:xfrm>
+            <a:off x="5183290" y="1622285"/>
+            <a:ext cx="1825352" cy="1825352"/>
+          </a:xfrm>
+          <a:prstGeom prst="rect">
+            <a:avLst/>
+          </a:prstGeom>
+        </p:spPr>
+      </p:pic>
+    </p:spTree>
+    <p:extLst>
+      <p:ext uri="{BB962C8B-B14F-4D97-AF65-F5344CB8AC3E}">
+        <p14:creationId xmlns:p14="http://schemas.microsoft.com/office/powerpoint/2010/main" val="1635517412"/>
+      </p:ext>
+    </p:extLst>
+  </p:cSld>
+  <p:clrMapOvr>
+    <a:masterClrMapping/>
+  </p:clrMapOvr>
+</p:sld>
+</file>
+
 <file path=ppt/slides/slide2.xml><?xml version="1.0" encoding="utf-8"?>
 <p:sld xmlns:a="http://schemas.openxmlformats.org/drawingml/2006/main" xmlns:r="http://schemas.openxmlformats.org/officeDocument/2006/relationships" xmlns:p="http://schemas.openxmlformats.org/presentationml/2006/main">
   <p:cSld>
@@ -15495,13 +15843,6 @@
   <p:clrMapOvr>
     <a:masterClrMapping/>
   </p:clrMapOvr>
-  <p:timing>
-    <p:tnLst>
-      <p:par>
-        <p:cTn id="1" dur="indefinite" restart="never" nodeType="tmRoot"/>
-      </p:par>
-    </p:tnLst>
-  </p:timing>
 </p:sld>
 </file>
 
@@ -15943,13 +16284,6 @@
   <p:clrMapOvr>
     <a:masterClrMapping/>
   </p:clrMapOvr>
-  <p:timing>
-    <p:tnLst>
-      <p:par>
-        <p:cTn id="1" dur="indefinite" restart="never" nodeType="tmRoot"/>
-      </p:par>
-    </p:tnLst>
-  </p:timing>
 </p:sld>
 </file>
 
@@ -20192,13 +20526,6 @@
   <p:clrMapOvr>
     <a:masterClrMapping/>
   </p:clrMapOvr>
-  <p:timing>
-    <p:tnLst>
-      <p:par>
-        <p:cTn id="1" dur="indefinite" restart="never" nodeType="tmRoot"/>
-      </p:par>
-    </p:tnLst>
-  </p:timing>
 </p:sld>
 </file>
 
@@ -20272,13 +20599,6 @@
   <p:clrMapOvr>
     <a:masterClrMapping/>
   </p:clrMapOvr>
-  <p:timing>
-    <p:tnLst>
-      <p:par>
-        <p:cTn id="1" dur="indefinite" restart="never" nodeType="tmRoot"/>
-      </p:par>
-    </p:tnLst>
-  </p:timing>
 </p:sld>
 </file>
 
@@ -20332,13 +20652,6 @@
   <p:clrMapOvr>
     <a:masterClrMapping/>
   </p:clrMapOvr>
-  <p:timing>
-    <p:tnLst>
-      <p:par>
-        <p:cTn id="1" dur="indefinite" restart="never" nodeType="tmRoot"/>
-      </p:par>
-    </p:tnLst>
-  </p:timing>
 </p:sld>
 </file>
 
